--- a/Documents/Presentation/Система „Графици.pptx
+++ b/Documents/Presentation/Система „Графици.pptx
@@ -296,7 +296,7 @@
           <a:p>
             <a:fld id="{C1A1EE53-6C3B-4A78-80C9-3921438F7982}" type="datetimeFigureOut">
               <a:rPr lang="en-US" smtClean="0"/>
-              <a:t>6/16/2016</a:t>
+              <a:t>1/19/2017</a:t>
             </a:fld>
             <a:endParaRPr lang="en-US"/>
           </a:p>
@@ -626,7 +626,7 @@
           <a:p>
             <a:fld id="{C1A1EE53-6C3B-4A78-80C9-3921438F7982}" type="datetimeFigureOut">
               <a:rPr lang="en-US" smtClean="0"/>
-              <a:t>6/16/2016</a:t>
+              <a:t>1/19/2017</a:t>
             </a:fld>
             <a:endParaRPr lang="en-US"/>
           </a:p>
@@ -806,7 +806,7 @@
           <a:p>
             <a:fld id="{C1A1EE53-6C3B-4A78-80C9-3921438F7982}" type="datetimeFigureOut">
               <a:rPr lang="en-US" smtClean="0"/>
-              <a:t>6/16/2016</a:t>
+              <a:t>1/19/2017</a:t>
             </a:fld>
             <a:endParaRPr lang="en-US"/>
           </a:p>
@@ -976,7 +976,7 @@
           <a:p>
             <a:fld id="{C1A1EE53-6C3B-4A78-80C9-3921438F7982}" type="datetimeFigureOut">
               <a:rPr lang="en-US" smtClean="0"/>
-              <a:t>6/16/2016</a:t>
+              <a:t>1/19/2017</a:t>
             </a:fld>
             <a:endParaRPr lang="en-US"/>
           </a:p>
@@ -1253,7 +1253,7 @@
           <a:p>
             <a:fld id="{C1A1EE53-6C3B-4A78-80C9-3921438F7982}" type="datetimeFigureOut">
               <a:rPr lang="en-US" smtClean="0"/>
-              <a:t>6/16/2016</a:t>
+              <a:t>1/19/2017</a:t>
             </a:fld>
             <a:endParaRPr lang="en-US"/>
           </a:p>
@@ -1647,7 +1647,7 @@
           <a:p>
             <a:fld id="{C1A1EE53-6C3B-4A78-80C9-3921438F7982}" type="datetimeFigureOut">
               <a:rPr lang="en-US" smtClean="0"/>
-              <a:t>6/16/2016</a:t>
+              <a:t>1/19/2017</a:t>
             </a:fld>
             <a:endParaRPr lang="en-US"/>
           </a:p>
@@ -2124,7 +2124,7 @@
           <a:p>
             <a:fld id="{C1A1EE53-6C3B-4A78-80C9-3921438F7982}" type="datetimeFigureOut">
               <a:rPr lang="en-US" smtClean="0"/>
-              <a:t>6/16/2016</a:t>
+              <a:t>1/19/2017</a:t>
             </a:fld>
             <a:endParaRPr lang="en-US"/>
           </a:p>
@@ -2242,7 +2242,7 @@
           <a:p>
             <a:fld id="{C1A1EE53-6C3B-4A78-80C9-3921438F7982}" type="datetimeFigureOut">
               <a:rPr lang="en-US" smtClean="0"/>
-              <a:t>6/16/2016</a:t>
+              <a:t>1/19/2017</a:t>
             </a:fld>
             <a:endParaRPr lang="en-US"/>
           </a:p>
@@ -2337,7 +2337,7 @@
           <a:p>
             <a:fld id="{C1A1EE53-6C3B-4A78-80C9-3921438F7982}" type="datetimeFigureOut">
               <a:rPr lang="en-US" smtClean="0"/>
-              <a:t>6/16/2016</a:t>
+              <a:t>1/19/2017</a:t>
             </a:fld>
             <a:endParaRPr lang="en-US"/>
           </a:p>
@@ -2683,7 +2683,7 @@
           <a:p>
             <a:fld id="{C1A1EE53-6C3B-4A78-80C9-3921438F7982}" type="datetimeFigureOut">
               <a:rPr lang="en-US" smtClean="0"/>
-              <a:t>6/16/2016</a:t>
+              <a:t>1/19/2017</a:t>
             </a:fld>
             <a:endParaRPr lang="en-US"/>
           </a:p>
@@ -3071,7 +3071,7 @@
           <a:p>
             <a:fld id="{C1A1EE53-6C3B-4A78-80C9-3921438F7982}" type="datetimeFigureOut">
               <a:rPr lang="en-US" smtClean="0"/>
-              <a:t>6/16/2016</a:t>
+              <a:t>1/19/2017</a:t>
             </a:fld>
             <a:endParaRPr lang="en-US"/>
           </a:p>
@@ -3349,7 +3349,7 @@
           <a:p>
             <a:fld id="{C1A1EE53-6C3B-4A78-80C9-3921438F7982}" type="datetimeFigureOut">
               <a:rPr lang="en-US" smtClean="0"/>
-              <a:t>6/16/2016</a:t>
+              <a:t>1/19/2017</a:t>
             </a:fld>
             <a:endParaRPr lang="en-US"/>
           </a:p>
@@ -3913,6 +3913,13 @@
   <p:clrMapOvr>
     <a:masterClrMapping/>
   </p:clrMapOvr>
+  <p:timing>
+    <p:tnLst>
+      <p:par>
+        <p:cTn id="1" dur="indefinite" restart="never" nodeType="tmRoot"/>
+      </p:par>
+    </p:tnLst>
+  </p:timing>
 </p:sld>
 </file>
 
@@ -4027,6 +4034,13 @@
   <p:clrMapOvr>
     <a:masterClrMapping/>
   </p:clrMapOvr>
+  <p:timing>
+    <p:tnLst>
+      <p:par>
+        <p:cTn id="1" dur="indefinite" restart="never" nodeType="tmRoot"/>
+      </p:par>
+    </p:tnLst>
+  </p:timing>
 </p:sld>
 </file>
 
@@ -4138,6 +4152,13 @@
   <p:clrMapOvr>
     <a:masterClrMapping/>
   </p:clrMapOvr>
+  <p:timing>
+    <p:tnLst>
+      <p:par>
+        <p:cTn id="1" dur="indefinite" restart="never" nodeType="tmRoot"/>
+      </p:par>
+    </p:tnLst>
+  </p:timing>
 </p:sld>
 </file>
 
@@ -4220,11 +4241,7 @@
           <a:p>
             <a:r>
               <a:rPr lang="bg-BG" dirty="0" smtClean="0"/>
-              <a:t>Автоматично генериране на временен екип в случай, че всички членове на екипа отработват дежурство с друга </a:t>
-            </a:r>
-            <a:r>
-              <a:rPr lang="bg-BG" dirty="0" smtClean="0"/>
-              <a:t>смяна</a:t>
+              <a:t>Автоматично генериране на временен екип в случай, че всички членове на екипа отработват дежурство с друга смяна</a:t>
             </a:r>
           </a:p>
           <a:p>
@@ -4248,6 +4265,13 @@
   <p:clrMapOvr>
     <a:masterClrMapping/>
   </p:clrMapOvr>
+  <p:timing>
+    <p:tnLst>
+      <p:par>
+        <p:cTn id="1" dur="indefinite" restart="never" nodeType="tmRoot"/>
+      </p:par>
+    </p:tnLst>
+  </p:timing>
 </p:sld>
 </file>
 
@@ -4308,20 +4332,23 @@
         <p:spPr/>
         <p:txBody>
           <a:bodyPr>
-            <a:normAutofit lnSpcReduction="10000"/>
+            <a:normAutofit/>
           </a:bodyPr>
           <a:lstStyle/>
           <a:p>
             <a:r>
               <a:rPr lang="bg-BG" dirty="0" smtClean="0"/>
-              <a:t>Автоматично определяне и включване в графика на смяната на всички служители, които ще дават дежурство извън редовната си смяна</a:t>
-            </a:r>
-          </a:p>
-          <a:p>
-            <a:r>
-              <a:rPr lang="bg-BG" dirty="0" smtClean="0"/>
-              <a:t>Автоматично определяне на служителите които са без екип за всяка конкретна дата и включването им в допълнителен списък с цел подобряване на видимостта на ЗРС</a:t>
-            </a:r>
+              <a:t>Автоматично определяне и включване в графика на смяната на всички служители, които ще дават дежурство извън редовната </a:t>
+            </a:r>
+            <a:r>
+              <a:rPr lang="bg-BG" smtClean="0"/>
+              <a:t>си </a:t>
+            </a:r>
+            <a:r>
+              <a:rPr lang="bg-BG" smtClean="0"/>
+              <a:t>смяна</a:t>
+            </a:r>
+            <a:endParaRPr lang="bg-BG" dirty="0" smtClean="0"/>
           </a:p>
           <a:p>
             <a:r>
@@ -4372,7 +4399,6 @@
               <a:rPr lang="bg-BG" dirty="0" smtClean="0"/>
               <a:t>РКЦ.</a:t>
             </a:r>
-            <a:endParaRPr lang="bg-BG" dirty="0" smtClean="0"/>
           </a:p>
           <a:p>
             <a:pPr lvl="1"/>
@@ -4393,6 +4419,13 @@
   <p:clrMapOvr>
     <a:masterClrMapping/>
   </p:clrMapOvr>
+  <p:timing>
+    <p:tnLst>
+      <p:par>
+        <p:cTn id="1" dur="indefinite" restart="never" nodeType="tmRoot"/>
+      </p:par>
+    </p:tnLst>
+  </p:timing>
 </p:sld>
 </file>
 
@@ -4988,6 +5021,13 @@
   <p:clrMapOvr>
     <a:masterClrMapping/>
   </p:clrMapOvr>
+  <p:timing>
+    <p:tnLst>
+      <p:par>
+        <p:cTn id="1" dur="indefinite" restart="never" nodeType="tmRoot"/>
+      </p:par>
+    </p:tnLst>
+  </p:timing>
 </p:sld>
 </file>
 
@@ -5262,11 +5302,7 @@
             </a:r>
             <a:r>
               <a:rPr lang="bg-BG" dirty="0" smtClean="0"/>
-              <a:t>овешки </a:t>
-            </a:r>
-            <a:r>
-              <a:rPr lang="bg-BG" dirty="0" smtClean="0"/>
-              <a:t>ресурси</a:t>
+              <a:t>овешки ресурси</a:t>
             </a:r>
           </a:p>
           <a:p>
@@ -5274,7 +5310,6 @@
               <a:rPr lang="bg-BG" dirty="0" smtClean="0"/>
               <a:t>Функционалности – модул графици</a:t>
             </a:r>
-            <a:endParaRPr lang="bg-BG" dirty="0" smtClean="0"/>
           </a:p>
           <a:p>
             <a:r>
@@ -5289,17 +5324,8 @@
           <a:p>
             <a:r>
               <a:rPr lang="bg-BG" dirty="0" smtClean="0"/>
-              <a:t>Основни </a:t>
-            </a:r>
-            <a:r>
-              <a:rPr lang="bg-BG" dirty="0" smtClean="0"/>
-              <a:t>дейности на отдел </a:t>
-            </a:r>
-            <a:r>
-              <a:rPr lang="bg-BG" dirty="0" smtClean="0"/>
-              <a:t>графици</a:t>
-            </a:r>
-            <a:endParaRPr lang="bg-BG" dirty="0" smtClean="0"/>
+              <a:t>Основни дейности на отдел графици</a:t>
+            </a:r>
           </a:p>
         </p:txBody>
       </p:sp>
@@ -5313,6 +5339,13 @@
   <p:clrMapOvr>
     <a:masterClrMapping/>
   </p:clrMapOvr>
+  <p:timing>
+    <p:tnLst>
+      <p:par>
+        <p:cTn id="1" dur="indefinite" restart="never" nodeType="tmRoot"/>
+      </p:par>
+    </p:tnLst>
+  </p:timing>
 </p:sld>
 </file>
 
@@ -5409,6 +5442,13 @@
   <p:clrMapOvr>
     <a:masterClrMapping/>
   </p:clrMapOvr>
+  <p:timing>
+    <p:tnLst>
+      <p:par>
+        <p:cTn id="1" dur="indefinite" restart="never" nodeType="tmRoot"/>
+      </p:par>
+    </p:tnLst>
+  </p:timing>
 </p:sld>
 </file>
 
@@ -5533,6 +5573,13 @@
   <p:clrMapOvr>
     <a:masterClrMapping/>
   </p:clrMapOvr>
+  <p:timing>
+    <p:tnLst>
+      <p:par>
+        <p:cTn id="1" dur="indefinite" restart="never" nodeType="tmRoot"/>
+      </p:par>
+    </p:tnLst>
+  </p:timing>
 </p:sld>
 </file>
 
@@ -5656,6 +5703,13 @@
   <p:clrMapOvr>
     <a:masterClrMapping/>
   </p:clrMapOvr>
+  <p:timing>
+    <p:tnLst>
+      <p:par>
+        <p:cTn id="1" dur="indefinite" restart="never" nodeType="tmRoot"/>
+      </p:par>
+    </p:tnLst>
+  </p:timing>
 </p:sld>
 </file>
 
@@ -5764,6 +5818,13 @@
   <p:clrMapOvr>
     <a:masterClrMapping/>
   </p:clrMapOvr>
+  <p:timing>
+    <p:tnLst>
+      <p:par>
+        <p:cTn id="1" dur="indefinite" restart="never" nodeType="tmRoot"/>
+      </p:par>
+    </p:tnLst>
+  </p:timing>
 </p:sld>
 </file>
 
@@ -5860,6 +5921,13 @@
   <p:clrMapOvr>
     <a:masterClrMapping/>
   </p:clrMapOvr>
+  <p:timing>
+    <p:tnLst>
+      <p:par>
+        <p:cTn id="1" dur="indefinite" restart="never" nodeType="tmRoot"/>
+      </p:par>
+    </p:tnLst>
+  </p:timing>
 </p:sld>
 </file>
 
@@ -5973,6 +6041,13 @@
   <p:clrMapOvr>
     <a:masterClrMapping/>
   </p:clrMapOvr>
+  <p:timing>
+    <p:tnLst>
+      <p:par>
+        <p:cTn id="1" dur="indefinite" restart="never" nodeType="tmRoot"/>
+      </p:par>
+    </p:tnLst>
+  </p:timing>
 </p:sld>
 </file>
 
@@ -6092,6 +6167,13 @@
   <p:clrMapOvr>
     <a:masterClrMapping/>
   </p:clrMapOvr>
+  <p:timing>
+    <p:tnLst>
+      <p:par>
+        <p:cTn id="1" dur="indefinite" restart="never" nodeType="tmRoot"/>
+      </p:par>
+    </p:tnLst>
+  </p:timing>
 </p:sld>
 </file>
 
